--- a/output/presentation.pptx
+++ b/output/presentation.pptx
@@ -14,6 +14,7 @@
     <p:sldId id="262" r:id="rId8"/>
     <p:sldId id="263" r:id="rId9"/>
     <p:sldId id="264" r:id="rId10"/>
+    <p:sldId id="265" r:id="rId11"/>
   </p:sldIdLst>
   <p:sldSz cx="9144000" cy="5143500" type="screen16x9"/>
   <p:notesSz cx="6858000" cy="9144000"/>
@@ -3133,6 +3134,90 @@
 </p:sld>
 </file>
 
+<file path=ppt/slides/slide10.xml><?xml version="1.0" encoding="utf-8"?>
+<p:sld xmlns:a="http://schemas.openxmlformats.org/drawingml/2006/main" xmlns:r="http://schemas.openxmlformats.org/officeDocument/2006/relationships" xmlns:p="http://schemas.openxmlformats.org/presentationml/2006/main">
+  <p:cSld>
+    <p:spTree>
+      <p:nvGrpSpPr>
+        <p:cNvPr id="1" name=""/>
+        <p:cNvGrpSpPr/>
+        <p:nvPr/>
+      </p:nvGrpSpPr>
+      <p:grpSpPr>
+        <a:xfrm>
+          <a:off x="0" y="0"/>
+          <a:ext cx="0" cy="0"/>
+          <a:chOff x="0" y="0"/>
+          <a:chExt cx="0" cy="0"/>
+        </a:xfrm>
+      </p:grpSpPr>
+      <p:sp>
+        <p:nvSpPr>
+          <p:cNvPr id="2" name="Title 1"/>
+          <p:cNvSpPr>
+            <a:spLocks noGrp="1"/>
+          </p:cNvSpPr>
+          <p:nvPr>
+            <p:ph type="title"/>
+          </p:nvPr>
+        </p:nvSpPr>
+        <p:spPr/>
+        <p:txBody>
+          <a:bodyPr/>
+          <a:lstStyle/>
+          <a:p>
+            <a:pPr lvl="0" indent="0" marL="0">
+              <a:buNone/>
+            </a:pPr>
+            <a:r>
+              <a:rPr/>
+              <a:t>Formación</a:t>
+            </a:r>
+          </a:p>
+        </p:txBody>
+      </p:sp>
+      <p:sp>
+        <p:nvSpPr>
+          <p:cNvPr id="3" name="Content Placeholder 2"/>
+          <p:cNvSpPr>
+            <a:spLocks noGrp="1"/>
+          </p:cNvSpPr>
+          <p:nvPr>
+            <p:ph idx="1"/>
+          </p:nvPr>
+        </p:nvSpPr>
+        <p:spPr/>
+        <p:txBody>
+          <a:bodyPr/>
+          <a:lstStyle/>
+          <a:p>
+            <a:pPr lvl="0"/>
+            <a:r>
+              <a:rPr/>
+              <a:t>Diplomado de Analítica de Datos (2022), Pontificia Universidad Javeriana. Bogotá.</a:t>
+            </a:r>
+          </a:p>
+          <a:p>
+            <a:pPr lvl="0"/>
+            <a:r>
+              <a:rPr/>
+              <a:t>Analítica de Datos y Automatización de Procesos en Power BI y Automate. (2021). Educación Continua de la Pontificia Universidad Javeriana. Bogotá</a:t>
+            </a:r>
+          </a:p>
+          <a:p>
+            <a:pPr lvl="0"/>
+            <a:r>
+              <a:rPr/>
+              <a:t>Práctica de Aprendizaje Reforzado. Ciclo de Inteligencia Artificial. (2021). Universidad de los Andes. Bogotá</a:t>
+            </a:r>
+          </a:p>
+        </p:txBody>
+      </p:sp>
+    </p:spTree>
+  </p:cSld>
+</p:sld>
+</file>
+
 <file path=ppt/slides/slide2.xml><?xml version="1.0" encoding="utf-8"?>
 <p:sld xmlns:a="http://schemas.openxmlformats.org/drawingml/2006/main" xmlns:r="http://schemas.openxmlformats.org/officeDocument/2006/relationships" xmlns:p="http://schemas.openxmlformats.org/presentationml/2006/main">
   <p:cSld>
@@ -3175,42 +3260,49 @@
             <a:pPr lvl="0"/>
             <a:r>
               <a:rPr/>
-              <a:t>ppt_Resumen (Business Object)</a:t>
+              <a:t>Resumen (Business Object)</a:t>
             </a:r>
           </a:p>
           <a:p>
             <a:pPr lvl="0"/>
             <a:r>
               <a:rPr/>
-              <a:t>ppt_Experiencias (Business Object)</a:t>
+              <a:t>Vinculaciones (Business Object)</a:t>
             </a:r>
           </a:p>
           <a:p>
             <a:pPr lvl="0"/>
             <a:r>
               <a:rPr/>
-              <a:t>ppt_Perfil (Business Object)</a:t>
+              <a:t>Experiencias (Business Object)</a:t>
             </a:r>
           </a:p>
           <a:p>
             <a:pPr lvl="0"/>
             <a:r>
               <a:rPr/>
-              <a:t>ppt_Personal (Business Object)</a:t>
+              <a:t>Perfil (Business Object)</a:t>
             </a:r>
           </a:p>
           <a:p>
             <a:pPr lvl="0"/>
             <a:r>
               <a:rPr/>
-              <a:t>ppt_Título (Business Object)</a:t>
+              <a:t>Personal (Business Object)</a:t>
             </a:r>
           </a:p>
           <a:p>
             <a:pPr lvl="0"/>
             <a:r>
               <a:rPr/>
-              <a:t>ppt_Formación (Business Object)</a:t>
+              <a:t>Título (Business Object)</a:t>
+            </a:r>
+          </a:p>
+          <a:p>
+            <a:pPr lvl="0"/>
+            <a:r>
+              <a:rPr/>
+              <a:t>Formación (Business Object)</a:t>
             </a:r>
           </a:p>
         </p:txBody>
@@ -3264,7 +3356,7 @@
       </p:sp>
       <p:pic>
         <p:nvPicPr>
-          <p:cNvPr descr="fig:  /Users/hwo/Downloads/tmpr/hvmd/02n.a1.hvppt.png" id="0" name="Picture 1"/>
+          <p:cNvPr descr="fig:  /Users/hwong23/Downloads/tmpr/hvmd/02n.a1.hvppt.png" id="0" name="Picture 1"/>
           <p:cNvPicPr>
             <a:picLocks noGrp="1" noChangeAspect="1"/>
           </p:cNvPicPr>
@@ -3364,7 +3456,7 @@
             </a:pPr>
             <a:r>
               <a:rPr/>
-              <a:t>resumen</a:t>
+              <a:t>Resumen</a:t>
             </a:r>
           </a:p>
         </p:txBody>
@@ -3436,7 +3528,7 @@
             </a:pPr>
             <a:r>
               <a:rPr/>
-              <a:t>experiencias</a:t>
+              <a:t>Vinculaciones</a:t>
             </a:r>
           </a:p>
         </p:txBody>
@@ -3459,21 +3551,28 @@
             <a:pPr lvl="0"/>
             <a:r>
               <a:rPr/>
-              <a:t>Consultor externo de proyectos de arquitectura, ingeniería y tecnología para Estefanini, Colombia.</a:t>
+              <a:t>Estefanini, Colombia Consultor de Arquitectura de Software y Tecnología 1 año actual</a:t>
             </a:r>
           </a:p>
           <a:p>
             <a:pPr lvl="0"/>
             <a:r>
               <a:rPr/>
-              <a:t>Contratista para el BID y el Ministerio del Trabajo de Colombia, en el cargo de consultor arquitecto de software para proyectos de diseño e implementación de sistemas de información para el Programa de Fortalecimiento al Empleo y del Mercado Laboral</a:t>
+              <a:t>Ministerio del Trabajo Consultor de Tecnología. Proyecto BID MT. Mercado Laboral 2 años Oct 2019 - Dic 2022</a:t>
             </a:r>
           </a:p>
           <a:p>
             <a:pPr lvl="0"/>
             <a:r>
               <a:rPr/>
-              <a:t>Diseño y construcción de integración de arquitecturas reactivas, asíncronas, orientadas a eventos</a:t>
+              <a:t>LatinamericanPost Columnista independiente de tecnología actual actual</a:t>
+            </a:r>
+          </a:p>
+          <a:p>
+            <a:pPr lvl="0"/>
+            <a:r>
+              <a:rPr/>
+              <a:t>Asesoftware Arquitecto Fábrica Seguros Bolívar 1 año Sep 2019 - Sep 2020</a:t>
             </a:r>
           </a:p>
         </p:txBody>
@@ -3520,7 +3619,7 @@
             </a:pPr>
             <a:r>
               <a:rPr/>
-              <a:t>perfil</a:t>
+              <a:t>Experiencias</a:t>
             </a:r>
           </a:p>
         </p:txBody>
@@ -3540,12 +3639,24 @@
           <a:bodyPr/>
           <a:lstStyle/>
           <a:p>
-            <a:pPr lvl="0" indent="0" marL="0">
-              <a:buNone/>
-            </a:pPr>
+            <a:pPr lvl="0"/>
             <a:r>
               <a:rPr/>
-              <a:t>En los más de 20 de mi trayecto de la ingeniería de sistemas he aplicado los procesos de la ingeniería y tecnologías para abordar retos de clientes de distintos sectores, público, privado, bancario, financiero, seguros, fábricas de software, emprendimientos, entre otros.</a:t>
+              <a:t>Consultor externo de proyectos de arquitectura, ingeniería y tecnología para Estefanini, Colombia.</a:t>
+            </a:r>
+          </a:p>
+          <a:p>
+            <a:pPr lvl="0"/>
+            <a:r>
+              <a:rPr/>
+              <a:t>Contratista para el BID y el Ministerio del Trabajo de Colombia, en el cargo de consultor arquitecto de software para proyectos de diseño e implementación de sistemas de información para el Programa de Fortalecimiento al Empleo y del Mercado Laboral</a:t>
+            </a:r>
+          </a:p>
+          <a:p>
+            <a:pPr lvl="0"/>
+            <a:r>
+              <a:rPr/>
+              <a:t>Diseño y construcción de integración de arquitecturas reactivas, asíncronas, orientadas a eventos</a:t>
             </a:r>
           </a:p>
         </p:txBody>
@@ -3592,7 +3703,7 @@
             </a:pPr>
             <a:r>
               <a:rPr/>
-              <a:t>personal</a:t>
+              <a:t>Perfil</a:t>
             </a:r>
           </a:p>
         </p:txBody>
@@ -3617,56 +3728,7 @@
             </a:pPr>
             <a:r>
               <a:rPr/>
-              <a:t>Bogotá DC. Colombia</a:t>
-            </a:r>
-          </a:p>
-          <a:p>
-            <a:pPr lvl="0" indent="0" marL="0">
-              <a:buNone/>
-            </a:pPr>
-            <a:r>
-              <a:rPr/>
-              <a:t>K6 # 48A 27</a:t>
-            </a:r>
-          </a:p>
-          <a:p>
-            <a:pPr lvl="0" indent="0" marL="0">
-              <a:buNone/>
-            </a:pPr>
-            <a:r>
-              <a:rPr/>
-              <a:t>Chapinero Alto</a:t>
-            </a:r>
-          </a:p>
-          <a:p>
-            <a:pPr lvl="0" indent="0" marL="0">
-              <a:buNone/>
-            </a:pPr>
-            <a:r>
-              <a:rPr b="1"/>
-              <a:t>T</a:t>
-            </a:r>
-            <a:r>
-              <a:rPr/>
-              <a:t>: 300 2818189</a:t>
-            </a:r>
-          </a:p>
-          <a:p>
-            <a:pPr lvl="0" indent="0" marL="0">
-              <a:buNone/>
-            </a:pPr>
-            <a:r>
-              <a:rPr/>
-              <a:t>hwong23@yahoo.com</a:t>
-            </a:r>
-          </a:p>
-          <a:p>
-            <a:pPr lvl="0" indent="0" marL="0">
-              <a:buNone/>
-            </a:pPr>
-            <a:r>
-              <a:rPr/>
-              <a:t>www.blazdesigns.com</a:t>
+              <a:t>En los más de 20 de mi trayecto de la ingeniería de sistemas he aplicado los procesos de la ingeniería y tecnologías para abordar retos de clientes de distintos sectores, público, privado, bancario, financiero, seguros, fábricas de software, emprendimientos, entre otros.</a:t>
             </a:r>
           </a:p>
         </p:txBody>
@@ -3713,7 +3775,7 @@
             </a:pPr>
             <a:r>
               <a:rPr/>
-              <a:t>tituloprofesional</a:t>
+              <a:t>Personal</a:t>
             </a:r>
           </a:p>
         </p:txBody>
@@ -3738,7 +3800,56 @@
             </a:pPr>
             <a:r>
               <a:rPr/>
-              <a:t>Magister Ingeniería TI. Especializado en Arquitectura</a:t>
+              <a:t>Bogotá DC. Colombia</a:t>
+            </a:r>
+          </a:p>
+          <a:p>
+            <a:pPr lvl="0" indent="0" marL="0">
+              <a:buNone/>
+            </a:pPr>
+            <a:r>
+              <a:rPr/>
+              <a:t>K6 # 48A 27</a:t>
+            </a:r>
+          </a:p>
+          <a:p>
+            <a:pPr lvl="0" indent="0" marL="0">
+              <a:buNone/>
+            </a:pPr>
+            <a:r>
+              <a:rPr/>
+              <a:t>Chapinero Alto</a:t>
+            </a:r>
+          </a:p>
+          <a:p>
+            <a:pPr lvl="0" indent="0" marL="0">
+              <a:buNone/>
+            </a:pPr>
+            <a:r>
+              <a:rPr b="1"/>
+              <a:t>T</a:t>
+            </a:r>
+            <a:r>
+              <a:rPr/>
+              <a:t>: 300 2818189</a:t>
+            </a:r>
+          </a:p>
+          <a:p>
+            <a:pPr lvl="0" indent="0" marL="0">
+              <a:buNone/>
+            </a:pPr>
+            <a:r>
+              <a:rPr/>
+              <a:t>hwong23@yahoo.com</a:t>
+            </a:r>
+          </a:p>
+          <a:p>
+            <a:pPr lvl="0" indent="0" marL="0">
+              <a:buNone/>
+            </a:pPr>
+            <a:r>
+              <a:rPr/>
+              <a:t>www.blazdesigns.com</a:t>
             </a:r>
           </a:p>
         </p:txBody>
@@ -3785,7 +3896,7 @@
             </a:pPr>
             <a:r>
               <a:rPr/>
-              <a:t>formacion</a:t>
+              <a:t>Título</a:t>
             </a:r>
           </a:p>
         </p:txBody>
@@ -3805,24 +3916,12 @@
           <a:bodyPr/>
           <a:lstStyle/>
           <a:p>
-            <a:pPr lvl="0"/>
+            <a:pPr lvl="0" indent="0" marL="0">
+              <a:buNone/>
+            </a:pPr>
             <a:r>
               <a:rPr/>
-              <a:t>Diplomado de Analítica de Datos (2022), Pontificia Universidad Javeriana. Bogotá.</a:t>
-            </a:r>
-          </a:p>
-          <a:p>
-            <a:pPr lvl="0"/>
-            <a:r>
-              <a:rPr/>
-              <a:t>Analítica de Datos y Automatización de Procesos en Power BI y Automate. (2021). Educación Continua de la Pontificia Universidad Javeriana. Bogotá</a:t>
-            </a:r>
-          </a:p>
-          <a:p>
-            <a:pPr lvl="0"/>
-            <a:r>
-              <a:rPr/>
-              <a:t>Práctica de Aprendizaje Reforzado. Ciclo de Inteligencia Artificial. (2021). Universidad de los Andes. Bogotá</a:t>
+              <a:t>Magister Ingeniería TI. Especializado en Arquitectura</a:t>
             </a:r>
           </a:p>
         </p:txBody>
